--- a/twarner-dotnet-interactive.pptx
+++ b/twarner-dotnet-interactive.pptx
@@ -299,7 +299,7 @@
           <a:p>
             <a:fld id="{BE1B5227-671A-4331-BA8E-6A194D65408B}" type="datetimeFigureOut">
               <a:rPr lang="en-US" smtClean="0"/>
-              <a:t>4/13/2020</a:t>
+              <a:t>4/14/2020</a:t>
             </a:fld>
             <a:endParaRPr lang="en-US"/>
           </a:p>
@@ -464,7 +464,7 @@
           <a:p>
             <a:fld id="{27872E6B-C85C-424E-AD51-4389090A2C7D}" type="datetimeFigureOut">
               <a:rPr lang="en-US" smtClean="0"/>
-              <a:t>4/13/2020</a:t>
+              <a:t>4/14/2020</a:t>
             </a:fld>
             <a:endParaRPr lang="en-US"/>
           </a:p>
@@ -890,6 +890,510 @@
     <p:extLst>
       <p:ext uri="{BB962C8B-B14F-4D97-AF65-F5344CB8AC3E}">
         <p14:creationId xmlns:p14="http://schemas.microsoft.com/office/powerpoint/2010/main" val="3858266561"/>
+      </p:ext>
+    </p:extLst>
+  </p:cSld>
+  <p:clrMapOvr>
+    <a:masterClrMapping/>
+  </p:clrMapOvr>
+</p:notes>
+</file>
+
+<file path=ppt/notesSlides/notesSlide3.xml><?xml version="1.0" encoding="utf-8"?>
+<p:notes xmlns:a="http://schemas.openxmlformats.org/drawingml/2006/main" xmlns:r="http://schemas.openxmlformats.org/officeDocument/2006/relationships" xmlns:p="http://schemas.openxmlformats.org/presentationml/2006/main">
+  <p:cSld>
+    <p:spTree>
+      <p:nvGrpSpPr>
+        <p:cNvPr id="1" name=""/>
+        <p:cNvGrpSpPr/>
+        <p:nvPr/>
+      </p:nvGrpSpPr>
+      <p:grpSpPr>
+        <a:xfrm>
+          <a:off x="0" y="0"/>
+          <a:ext cx="0" cy="0"/>
+          <a:chOff x="0" y="0"/>
+          <a:chExt cx="0" cy="0"/>
+        </a:xfrm>
+      </p:grpSpPr>
+      <p:sp>
+        <p:nvSpPr>
+          <p:cNvPr id="2" name="Slide Image Placeholder 1"/>
+          <p:cNvSpPr>
+            <a:spLocks noGrp="1" noRot="1" noChangeAspect="1"/>
+          </p:cNvSpPr>
+          <p:nvPr>
+            <p:ph type="sldImg"/>
+          </p:nvPr>
+        </p:nvSpPr>
+        <p:spPr/>
+      </p:sp>
+      <p:sp>
+        <p:nvSpPr>
+          <p:cNvPr id="3" name="Notes Placeholder 2"/>
+          <p:cNvSpPr>
+            <a:spLocks noGrp="1"/>
+          </p:cNvSpPr>
+          <p:nvPr>
+            <p:ph type="body" idx="1"/>
+          </p:nvPr>
+        </p:nvSpPr>
+        <p:spPr/>
+        <p:txBody>
+          <a:bodyPr/>
+          <a:lstStyle/>
+          <a:p>
+            <a:endParaRPr lang="en-US"/>
+          </a:p>
+        </p:txBody>
+      </p:sp>
+      <p:sp>
+        <p:nvSpPr>
+          <p:cNvPr id="4" name="Slide Number Placeholder 3"/>
+          <p:cNvSpPr>
+            <a:spLocks noGrp="1"/>
+          </p:cNvSpPr>
+          <p:nvPr>
+            <p:ph type="sldNum" sz="quarter" idx="5"/>
+          </p:nvPr>
+        </p:nvSpPr>
+        <p:spPr/>
+        <p:txBody>
+          <a:bodyPr/>
+          <a:lstStyle/>
+          <a:p>
+            <a:fld id="{1112285D-B62D-0345-9A0E-5D91D31CA9B6}" type="slidenum">
+              <a:rPr lang="en-US" smtClean="0"/>
+              <a:t>3</a:t>
+            </a:fld>
+            <a:endParaRPr lang="en-US"/>
+          </a:p>
+        </p:txBody>
+      </p:sp>
+    </p:spTree>
+    <p:extLst>
+      <p:ext uri="{BB962C8B-B14F-4D97-AF65-F5344CB8AC3E}">
+        <p14:creationId xmlns:p14="http://schemas.microsoft.com/office/powerpoint/2010/main" val="2116450235"/>
+      </p:ext>
+    </p:extLst>
+  </p:cSld>
+  <p:clrMapOvr>
+    <a:masterClrMapping/>
+  </p:clrMapOvr>
+</p:notes>
+</file>
+
+<file path=ppt/notesSlides/notesSlide4.xml><?xml version="1.0" encoding="utf-8"?>
+<p:notes xmlns:a="http://schemas.openxmlformats.org/drawingml/2006/main" xmlns:r="http://schemas.openxmlformats.org/officeDocument/2006/relationships" xmlns:p="http://schemas.openxmlformats.org/presentationml/2006/main">
+  <p:cSld>
+    <p:spTree>
+      <p:nvGrpSpPr>
+        <p:cNvPr id="1" name=""/>
+        <p:cNvGrpSpPr/>
+        <p:nvPr/>
+      </p:nvGrpSpPr>
+      <p:grpSpPr>
+        <a:xfrm>
+          <a:off x="0" y="0"/>
+          <a:ext cx="0" cy="0"/>
+          <a:chOff x="0" y="0"/>
+          <a:chExt cx="0" cy="0"/>
+        </a:xfrm>
+      </p:grpSpPr>
+      <p:sp>
+        <p:nvSpPr>
+          <p:cNvPr id="2" name="Slide Image Placeholder 1"/>
+          <p:cNvSpPr>
+            <a:spLocks noGrp="1" noRot="1" noChangeAspect="1"/>
+          </p:cNvSpPr>
+          <p:nvPr>
+            <p:ph type="sldImg"/>
+          </p:nvPr>
+        </p:nvSpPr>
+        <p:spPr/>
+      </p:sp>
+      <p:sp>
+        <p:nvSpPr>
+          <p:cNvPr id="3" name="Notes Placeholder 2"/>
+          <p:cNvSpPr>
+            <a:spLocks noGrp="1"/>
+          </p:cNvSpPr>
+          <p:nvPr>
+            <p:ph type="body" idx="1"/>
+          </p:nvPr>
+        </p:nvSpPr>
+        <p:spPr/>
+        <p:txBody>
+          <a:bodyPr/>
+          <a:lstStyle/>
+          <a:p>
+            <a:endParaRPr lang="en-US"/>
+          </a:p>
+        </p:txBody>
+      </p:sp>
+      <p:sp>
+        <p:nvSpPr>
+          <p:cNvPr id="4" name="Slide Number Placeholder 3"/>
+          <p:cNvSpPr>
+            <a:spLocks noGrp="1"/>
+          </p:cNvSpPr>
+          <p:nvPr>
+            <p:ph type="sldNum" sz="quarter" idx="5"/>
+          </p:nvPr>
+        </p:nvSpPr>
+        <p:spPr/>
+        <p:txBody>
+          <a:bodyPr/>
+          <a:lstStyle/>
+          <a:p>
+            <a:fld id="{1112285D-B62D-0345-9A0E-5D91D31CA9B6}" type="slidenum">
+              <a:rPr lang="en-US" smtClean="0"/>
+              <a:t>4</a:t>
+            </a:fld>
+            <a:endParaRPr lang="en-US"/>
+          </a:p>
+        </p:txBody>
+      </p:sp>
+    </p:spTree>
+    <p:extLst>
+      <p:ext uri="{BB962C8B-B14F-4D97-AF65-F5344CB8AC3E}">
+        <p14:creationId xmlns:p14="http://schemas.microsoft.com/office/powerpoint/2010/main" val="1485185180"/>
+      </p:ext>
+    </p:extLst>
+  </p:cSld>
+  <p:clrMapOvr>
+    <a:masterClrMapping/>
+  </p:clrMapOvr>
+</p:notes>
+</file>
+
+<file path=ppt/notesSlides/notesSlide5.xml><?xml version="1.0" encoding="utf-8"?>
+<p:notes xmlns:a="http://schemas.openxmlformats.org/drawingml/2006/main" xmlns:r="http://schemas.openxmlformats.org/officeDocument/2006/relationships" xmlns:p="http://schemas.openxmlformats.org/presentationml/2006/main">
+  <p:cSld>
+    <p:spTree>
+      <p:nvGrpSpPr>
+        <p:cNvPr id="1" name=""/>
+        <p:cNvGrpSpPr/>
+        <p:nvPr/>
+      </p:nvGrpSpPr>
+      <p:grpSpPr>
+        <a:xfrm>
+          <a:off x="0" y="0"/>
+          <a:ext cx="0" cy="0"/>
+          <a:chOff x="0" y="0"/>
+          <a:chExt cx="0" cy="0"/>
+        </a:xfrm>
+      </p:grpSpPr>
+      <p:sp>
+        <p:nvSpPr>
+          <p:cNvPr id="2" name="Slide Image Placeholder 1"/>
+          <p:cNvSpPr>
+            <a:spLocks noGrp="1" noRot="1" noChangeAspect="1"/>
+          </p:cNvSpPr>
+          <p:nvPr>
+            <p:ph type="sldImg"/>
+          </p:nvPr>
+        </p:nvSpPr>
+        <p:spPr/>
+      </p:sp>
+      <p:sp>
+        <p:nvSpPr>
+          <p:cNvPr id="3" name="Notes Placeholder 2"/>
+          <p:cNvSpPr>
+            <a:spLocks noGrp="1"/>
+          </p:cNvSpPr>
+          <p:nvPr>
+            <p:ph type="body" idx="1"/>
+          </p:nvPr>
+        </p:nvSpPr>
+        <p:spPr/>
+        <p:txBody>
+          <a:bodyPr/>
+          <a:lstStyle/>
+          <a:p>
+            <a:endParaRPr lang="en-US"/>
+          </a:p>
+        </p:txBody>
+      </p:sp>
+      <p:sp>
+        <p:nvSpPr>
+          <p:cNvPr id="4" name="Slide Number Placeholder 3"/>
+          <p:cNvSpPr>
+            <a:spLocks noGrp="1"/>
+          </p:cNvSpPr>
+          <p:nvPr>
+            <p:ph type="sldNum" sz="quarter" idx="5"/>
+          </p:nvPr>
+        </p:nvSpPr>
+        <p:spPr/>
+        <p:txBody>
+          <a:bodyPr/>
+          <a:lstStyle/>
+          <a:p>
+            <a:fld id="{1112285D-B62D-0345-9A0E-5D91D31CA9B6}" type="slidenum">
+              <a:rPr lang="en-US" smtClean="0"/>
+              <a:t>5</a:t>
+            </a:fld>
+            <a:endParaRPr lang="en-US"/>
+          </a:p>
+        </p:txBody>
+      </p:sp>
+    </p:spTree>
+    <p:extLst>
+      <p:ext uri="{BB962C8B-B14F-4D97-AF65-F5344CB8AC3E}">
+        <p14:creationId xmlns:p14="http://schemas.microsoft.com/office/powerpoint/2010/main" val="4037049890"/>
+      </p:ext>
+    </p:extLst>
+  </p:cSld>
+  <p:clrMapOvr>
+    <a:masterClrMapping/>
+  </p:clrMapOvr>
+</p:notes>
+</file>
+
+<file path=ppt/notesSlides/notesSlide6.xml><?xml version="1.0" encoding="utf-8"?>
+<p:notes xmlns:a="http://schemas.openxmlformats.org/drawingml/2006/main" xmlns:r="http://schemas.openxmlformats.org/officeDocument/2006/relationships" xmlns:p="http://schemas.openxmlformats.org/presentationml/2006/main">
+  <p:cSld>
+    <p:spTree>
+      <p:nvGrpSpPr>
+        <p:cNvPr id="1" name=""/>
+        <p:cNvGrpSpPr/>
+        <p:nvPr/>
+      </p:nvGrpSpPr>
+      <p:grpSpPr>
+        <a:xfrm>
+          <a:off x="0" y="0"/>
+          <a:ext cx="0" cy="0"/>
+          <a:chOff x="0" y="0"/>
+          <a:chExt cx="0" cy="0"/>
+        </a:xfrm>
+      </p:grpSpPr>
+      <p:sp>
+        <p:nvSpPr>
+          <p:cNvPr id="2" name="Slide Image Placeholder 1"/>
+          <p:cNvSpPr>
+            <a:spLocks noGrp="1" noRot="1" noChangeAspect="1"/>
+          </p:cNvSpPr>
+          <p:nvPr>
+            <p:ph type="sldImg"/>
+          </p:nvPr>
+        </p:nvSpPr>
+        <p:spPr/>
+      </p:sp>
+      <p:sp>
+        <p:nvSpPr>
+          <p:cNvPr id="3" name="Notes Placeholder 2"/>
+          <p:cNvSpPr>
+            <a:spLocks noGrp="1"/>
+          </p:cNvSpPr>
+          <p:nvPr>
+            <p:ph type="body" idx="1"/>
+          </p:nvPr>
+        </p:nvSpPr>
+        <p:spPr/>
+        <p:txBody>
+          <a:bodyPr/>
+          <a:lstStyle/>
+          <a:p>
+            <a:endParaRPr lang="en-US"/>
+          </a:p>
+        </p:txBody>
+      </p:sp>
+      <p:sp>
+        <p:nvSpPr>
+          <p:cNvPr id="4" name="Slide Number Placeholder 3"/>
+          <p:cNvSpPr>
+            <a:spLocks noGrp="1"/>
+          </p:cNvSpPr>
+          <p:nvPr>
+            <p:ph type="sldNum" sz="quarter" idx="5"/>
+          </p:nvPr>
+        </p:nvSpPr>
+        <p:spPr/>
+        <p:txBody>
+          <a:bodyPr/>
+          <a:lstStyle/>
+          <a:p>
+            <a:fld id="{1112285D-B62D-0345-9A0E-5D91D31CA9B6}" type="slidenum">
+              <a:rPr lang="en-US" smtClean="0"/>
+              <a:t>6</a:t>
+            </a:fld>
+            <a:endParaRPr lang="en-US"/>
+          </a:p>
+        </p:txBody>
+      </p:sp>
+    </p:spTree>
+    <p:extLst>
+      <p:ext uri="{BB962C8B-B14F-4D97-AF65-F5344CB8AC3E}">
+        <p14:creationId xmlns:p14="http://schemas.microsoft.com/office/powerpoint/2010/main" val="1828303817"/>
+      </p:ext>
+    </p:extLst>
+  </p:cSld>
+  <p:clrMapOvr>
+    <a:masterClrMapping/>
+  </p:clrMapOvr>
+</p:notes>
+</file>
+
+<file path=ppt/notesSlides/notesSlide7.xml><?xml version="1.0" encoding="utf-8"?>
+<p:notes xmlns:a="http://schemas.openxmlformats.org/drawingml/2006/main" xmlns:r="http://schemas.openxmlformats.org/officeDocument/2006/relationships" xmlns:p="http://schemas.openxmlformats.org/presentationml/2006/main">
+  <p:cSld>
+    <p:spTree>
+      <p:nvGrpSpPr>
+        <p:cNvPr id="1" name=""/>
+        <p:cNvGrpSpPr/>
+        <p:nvPr/>
+      </p:nvGrpSpPr>
+      <p:grpSpPr>
+        <a:xfrm>
+          <a:off x="0" y="0"/>
+          <a:ext cx="0" cy="0"/>
+          <a:chOff x="0" y="0"/>
+          <a:chExt cx="0" cy="0"/>
+        </a:xfrm>
+      </p:grpSpPr>
+      <p:sp>
+        <p:nvSpPr>
+          <p:cNvPr id="2" name="Slide Image Placeholder 1"/>
+          <p:cNvSpPr>
+            <a:spLocks noGrp="1" noRot="1" noChangeAspect="1"/>
+          </p:cNvSpPr>
+          <p:nvPr>
+            <p:ph type="sldImg"/>
+          </p:nvPr>
+        </p:nvSpPr>
+        <p:spPr/>
+      </p:sp>
+      <p:sp>
+        <p:nvSpPr>
+          <p:cNvPr id="3" name="Notes Placeholder 2"/>
+          <p:cNvSpPr>
+            <a:spLocks noGrp="1"/>
+          </p:cNvSpPr>
+          <p:nvPr>
+            <p:ph type="body" idx="1"/>
+          </p:nvPr>
+        </p:nvSpPr>
+        <p:spPr/>
+        <p:txBody>
+          <a:bodyPr/>
+          <a:lstStyle/>
+          <a:p>
+            <a:endParaRPr lang="en-US"/>
+          </a:p>
+        </p:txBody>
+      </p:sp>
+      <p:sp>
+        <p:nvSpPr>
+          <p:cNvPr id="4" name="Slide Number Placeholder 3"/>
+          <p:cNvSpPr>
+            <a:spLocks noGrp="1"/>
+          </p:cNvSpPr>
+          <p:nvPr>
+            <p:ph type="sldNum" sz="quarter" idx="5"/>
+          </p:nvPr>
+        </p:nvSpPr>
+        <p:spPr/>
+        <p:txBody>
+          <a:bodyPr/>
+          <a:lstStyle/>
+          <a:p>
+            <a:fld id="{1112285D-B62D-0345-9A0E-5D91D31CA9B6}" type="slidenum">
+              <a:rPr lang="en-US" smtClean="0"/>
+              <a:t>7</a:t>
+            </a:fld>
+            <a:endParaRPr lang="en-US"/>
+          </a:p>
+        </p:txBody>
+      </p:sp>
+    </p:spTree>
+    <p:extLst>
+      <p:ext uri="{BB962C8B-B14F-4D97-AF65-F5344CB8AC3E}">
+        <p14:creationId xmlns:p14="http://schemas.microsoft.com/office/powerpoint/2010/main" val="3929299217"/>
+      </p:ext>
+    </p:extLst>
+  </p:cSld>
+  <p:clrMapOvr>
+    <a:masterClrMapping/>
+  </p:clrMapOvr>
+</p:notes>
+</file>
+
+<file path=ppt/notesSlides/notesSlide8.xml><?xml version="1.0" encoding="utf-8"?>
+<p:notes xmlns:a="http://schemas.openxmlformats.org/drawingml/2006/main" xmlns:r="http://schemas.openxmlformats.org/officeDocument/2006/relationships" xmlns:p="http://schemas.openxmlformats.org/presentationml/2006/main">
+  <p:cSld>
+    <p:spTree>
+      <p:nvGrpSpPr>
+        <p:cNvPr id="1" name=""/>
+        <p:cNvGrpSpPr/>
+        <p:nvPr/>
+      </p:nvGrpSpPr>
+      <p:grpSpPr>
+        <a:xfrm>
+          <a:off x="0" y="0"/>
+          <a:ext cx="0" cy="0"/>
+          <a:chOff x="0" y="0"/>
+          <a:chExt cx="0" cy="0"/>
+        </a:xfrm>
+      </p:grpSpPr>
+      <p:sp>
+        <p:nvSpPr>
+          <p:cNvPr id="2" name="Slide Image Placeholder 1"/>
+          <p:cNvSpPr>
+            <a:spLocks noGrp="1" noRot="1" noChangeAspect="1"/>
+          </p:cNvSpPr>
+          <p:nvPr>
+            <p:ph type="sldImg"/>
+          </p:nvPr>
+        </p:nvSpPr>
+        <p:spPr/>
+      </p:sp>
+      <p:sp>
+        <p:nvSpPr>
+          <p:cNvPr id="3" name="Notes Placeholder 2"/>
+          <p:cNvSpPr>
+            <a:spLocks noGrp="1"/>
+          </p:cNvSpPr>
+          <p:nvPr>
+            <p:ph type="body" idx="1"/>
+          </p:nvPr>
+        </p:nvSpPr>
+        <p:spPr/>
+        <p:txBody>
+          <a:bodyPr/>
+          <a:lstStyle/>
+          <a:p>
+            <a:endParaRPr lang="en-US"/>
+          </a:p>
+        </p:txBody>
+      </p:sp>
+      <p:sp>
+        <p:nvSpPr>
+          <p:cNvPr id="4" name="Slide Number Placeholder 3"/>
+          <p:cNvSpPr>
+            <a:spLocks noGrp="1"/>
+          </p:cNvSpPr>
+          <p:nvPr>
+            <p:ph type="sldNum" sz="quarter" idx="5"/>
+          </p:nvPr>
+        </p:nvSpPr>
+        <p:spPr/>
+        <p:txBody>
+          <a:bodyPr/>
+          <a:lstStyle/>
+          <a:p>
+            <a:fld id="{1112285D-B62D-0345-9A0E-5D91D31CA9B6}" type="slidenum">
+              <a:rPr lang="en-US" smtClean="0"/>
+              <a:t>8</a:t>
+            </a:fld>
+            <a:endParaRPr lang="en-US"/>
+          </a:p>
+        </p:txBody>
+      </p:sp>
+    </p:spTree>
+    <p:extLst>
+      <p:ext uri="{BB962C8B-B14F-4D97-AF65-F5344CB8AC3E}">
+        <p14:creationId xmlns:p14="http://schemas.microsoft.com/office/powerpoint/2010/main" val="2448291151"/>
       </p:ext>
     </p:extLst>
   </p:cSld>
@@ -12555,7 +13059,7 @@
           <p:nvPr/>
         </p:nvPicPr>
         <p:blipFill>
-          <a:blip r:embed="rId2" cstate="print">
+          <a:blip r:embed="rId3" cstate="print">
             <a:extLst>
               <a:ext uri="{28A0092B-C50C-407E-A947-70E740481C1C}">
                 <a14:useLocalDpi xmlns:a14="http://schemas.microsoft.com/office/drawing/2010/main" val="0"/>
@@ -12713,6 +13217,53 @@
           </a:p>
         </p:txBody>
       </p:sp>
+      <p:pic>
+        <p:nvPicPr>
+          <p:cNvPr id="1026" name="Picture 2">
+            <a:extLst>
+              <a:ext uri="{FF2B5EF4-FFF2-40B4-BE49-F238E27FC236}">
+                <a16:creationId xmlns:a16="http://schemas.microsoft.com/office/drawing/2014/main" id="{2A75C697-063D-4354-B794-06A755E59978}"/>
+              </a:ext>
+            </a:extLst>
+          </p:cNvPr>
+          <p:cNvPicPr>
+            <a:picLocks noChangeAspect="1" noChangeArrowheads="1"/>
+          </p:cNvPicPr>
+          <p:nvPr/>
+        </p:nvPicPr>
+        <p:blipFill>
+          <a:blip r:embed="rId3" cstate="print">
+            <a:extLst>
+              <a:ext uri="{28A0092B-C50C-407E-A947-70E740481C1C}">
+                <a14:useLocalDpi xmlns:a14="http://schemas.microsoft.com/office/drawing/2010/main" val="0"/>
+              </a:ext>
+            </a:extLst>
+          </a:blip>
+          <a:srcRect/>
+          <a:stretch>
+            <a:fillRect/>
+          </a:stretch>
+        </p:blipFill>
+        <p:spPr bwMode="auto">
+          <a:xfrm>
+            <a:off x="1303363" y="4302866"/>
+            <a:ext cx="1884123" cy="1884123"/>
+          </a:xfrm>
+          <a:prstGeom prst="rect">
+            <a:avLst/>
+          </a:prstGeom>
+          <a:noFill/>
+          <a:extLst>
+            <a:ext uri="{909E8E84-426E-40DD-AFC4-6F175D3DCCD1}">
+              <a14:hiddenFill xmlns:a14="http://schemas.microsoft.com/office/drawing/2010/main">
+                <a:solidFill>
+                  <a:srgbClr val="FFFFFF"/>
+                </a:solidFill>
+              </a14:hiddenFill>
+            </a:ext>
+          </a:extLst>
+        </p:spPr>
+      </p:pic>
     </p:spTree>
     <p:extLst>
       <p:ext uri="{BB962C8B-B14F-4D97-AF65-F5344CB8AC3E}">
@@ -12813,8 +13364,8 @@
         </p:nvSpPr>
         <p:spPr>
           <a:xfrm>
-            <a:off x="4812030" y="343949"/>
-            <a:ext cx="7295089" cy="5974706"/>
+            <a:off x="4812030" y="1825869"/>
+            <a:ext cx="7295089" cy="4492786"/>
           </a:xfrm>
         </p:spPr>
         <p:txBody>
@@ -12823,25 +13374,77 @@
           <a:p>
             <a:r>
               <a:rPr lang="en-US" dirty="0"/>
-              <a:t>Session materials: timw.info/jupyter</a:t>
-            </a:r>
-          </a:p>
-          <a:p>
-            <a:r>
-              <a:rPr lang="en-US" dirty="0"/>
-              <a:t>Twitter: @TechTrainerTim</a:t>
-            </a:r>
-          </a:p>
-          <a:p>
-            <a:r>
-              <a:rPr lang="en-US" dirty="0"/>
-              <a:t>Pluralsight: timw.info/</a:t>
-            </a:r>
-            <a:r>
-              <a:rPr lang="en-US" dirty="0" err="1"/>
+              <a:t>Thank you!</a:t>
+            </a:r>
+          </a:p>
+          <a:p>
+            <a:r>
+              <a:rPr lang="en-US" dirty="0"/>
+              <a:t>Session materials: </a:t>
+            </a:r>
+            <a:r>
+              <a:rPr lang="en-US" b="1" dirty="0">
+                <a:solidFill>
+                  <a:srgbClr val="0070C0"/>
+                </a:solidFill>
+              </a:rPr>
+              <a:t>timw.info/jupyter</a:t>
+            </a:r>
+          </a:p>
+          <a:p>
+            <a:r>
+              <a:rPr lang="en-US" dirty="0"/>
+              <a:t>Twitter: </a:t>
+            </a:r>
+            <a:r>
+              <a:rPr lang="en-US" dirty="0">
+                <a:solidFill>
+                  <a:srgbClr val="0070C0"/>
+                </a:solidFill>
+              </a:rPr>
+              <a:t>@TechTrainerTim</a:t>
+            </a:r>
+          </a:p>
+          <a:p>
+            <a:r>
+              <a:rPr lang="en-US" dirty="0"/>
+              <a:t>Pluralsight: </a:t>
+            </a:r>
+            <a:r>
+              <a:rPr lang="en-US" dirty="0">
+                <a:solidFill>
+                  <a:srgbClr val="0070C0"/>
+                </a:solidFill>
+              </a:rPr>
+              <a:t>timw.info/</a:t>
+            </a:r>
+            <a:r>
+              <a:rPr lang="en-US" dirty="0" err="1">
+                <a:solidFill>
+                  <a:srgbClr val="0070C0"/>
+                </a:solidFill>
+              </a:rPr>
               <a:t>ps</a:t>
             </a:r>
-            <a:endParaRPr lang="en-US" dirty="0"/>
+            <a:endParaRPr lang="en-US" dirty="0">
+              <a:solidFill>
+                <a:srgbClr val="0070C0"/>
+              </a:solidFill>
+            </a:endParaRPr>
+          </a:p>
+          <a:p>
+            <a:r>
+              <a:rPr lang="en-US" dirty="0"/>
+              <a:t>Email: </a:t>
+            </a:r>
+            <a:r>
+              <a:rPr lang="en-US" dirty="0">
+                <a:solidFill>
+                  <a:srgbClr val="0070C0"/>
+                </a:solidFill>
+              </a:rPr>
+              <a:t>tim@timw.info</a:t>
+            </a:r>
           </a:p>
           <a:p>
             <a:endParaRPr lang="en-US" dirty="0"/>
@@ -13167,7 +13770,105 @@
                                         <p:tgtEl>
                                           <p:spTgt spid="4">
                                             <p:txEl>
+                                              <p:pRg st="3" end="3"/>
+                                            </p:txEl>
+                                          </p:spTgt>
+                                        </p:tgtEl>
+                                        <p:attrNameLst>
+                                          <p:attrName>style.visibility</p:attrName>
+                                        </p:attrNameLst>
+                                      </p:cBhvr>
+                                      <p:to>
+                                        <p:strVal val="visible"/>
+                                      </p:to>
+                                    </p:set>
+                                  </p:childTnLst>
+                                </p:cTn>
+                              </p:par>
+                            </p:childTnLst>
+                          </p:cTn>
+                        </p:par>
+                      </p:childTnLst>
+                    </p:cTn>
+                  </p:par>
+                  <p:par>
+                    <p:cTn id="19" fill="hold">
+                      <p:stCondLst>
+                        <p:cond delay="indefinite"/>
+                      </p:stCondLst>
+                      <p:childTnLst>
+                        <p:par>
+                          <p:cTn id="20" fill="hold">
+                            <p:stCondLst>
+                              <p:cond delay="0"/>
+                            </p:stCondLst>
+                            <p:childTnLst>
+                              <p:par>
+                                <p:cTn id="21" presetID="1" presetClass="entr" presetSubtype="0" fill="hold" nodeType="clickEffect">
+                                  <p:stCondLst>
+                                    <p:cond delay="0"/>
+                                  </p:stCondLst>
+                                  <p:childTnLst>
+                                    <p:set>
+                                      <p:cBhvr>
+                                        <p:cTn id="22" dur="1" fill="hold">
+                                          <p:stCondLst>
+                                            <p:cond delay="0"/>
+                                          </p:stCondLst>
+                                        </p:cTn>
+                                        <p:tgtEl>
+                                          <p:spTgt spid="4">
+                                            <p:txEl>
                                               <p:pRg st="4" end="4"/>
+                                            </p:txEl>
+                                          </p:spTgt>
+                                        </p:tgtEl>
+                                        <p:attrNameLst>
+                                          <p:attrName>style.visibility</p:attrName>
+                                        </p:attrNameLst>
+                                      </p:cBhvr>
+                                      <p:to>
+                                        <p:strVal val="visible"/>
+                                      </p:to>
+                                    </p:set>
+                                  </p:childTnLst>
+                                </p:cTn>
+                              </p:par>
+                            </p:childTnLst>
+                          </p:cTn>
+                        </p:par>
+                      </p:childTnLst>
+                    </p:cTn>
+                  </p:par>
+                  <p:par>
+                    <p:cTn id="23" fill="hold">
+                      <p:stCondLst>
+                        <p:cond delay="indefinite"/>
+                      </p:stCondLst>
+                      <p:childTnLst>
+                        <p:par>
+                          <p:cTn id="24" fill="hold">
+                            <p:stCondLst>
+                              <p:cond delay="0"/>
+                            </p:stCondLst>
+                            <p:childTnLst>
+                              <p:par>
+                                <p:cTn id="25" presetID="1" presetClass="entr" presetSubtype="0" fill="hold" nodeType="clickEffect">
+                                  <p:stCondLst>
+                                    <p:cond delay="0"/>
+                                  </p:stCondLst>
+                                  <p:childTnLst>
+                                    <p:set>
+                                      <p:cBhvr>
+                                        <p:cTn id="26" dur="1" fill="hold">
+                                          <p:stCondLst>
+                                            <p:cond delay="0"/>
+                                          </p:stCondLst>
+                                        </p:cTn>
+                                        <p:tgtEl>
+                                          <p:spTgt spid="4">
+                                            <p:txEl>
+                                              <p:pRg st="6" end="6"/>
                                             </p:txEl>
                                           </p:spTgt>
                                         </p:tgtEl>
